--- a/diagrams/uml/classDiagrams/associations/navigability/logicMinefieldObjects.pptx
+++ b/diagrams/uml/classDiagrams/associations/navigability/logicMinefieldObjects.pptx
@@ -161,7 +161,7 @@
           <a:lstStyle/>
           <a:p>
             <a:r>
-              <a:rPr lang="en-US" smtClean="0"/>
+              <a:rPr lang="en-US"/>
               <a:t>Click to edit Master title style</a:t>
             </a:r>
             <a:endParaRPr lang="en-SG"/>
@@ -280,7 +280,7 @@
           </a:lstStyle>
           <a:p>
             <a:r>
-              <a:rPr lang="en-US" smtClean="0"/>
+              <a:rPr lang="en-US"/>
               <a:t>Click to edit Master subtitle style</a:t>
             </a:r>
             <a:endParaRPr lang="en-SG"/>
@@ -304,7 +304,7 @@
           <a:p>
             <a:fld id="{A0F86979-30DA-49EE-A740-32EBA6D2B7DE}" type="datetimeFigureOut">
               <a:rPr lang="en-SG" smtClean="0"/>
-              <a:t>18/3/2018</a:t>
+              <a:t>28/7/2024</a:t>
             </a:fld>
             <a:endParaRPr lang="en-SG"/>
           </a:p>
@@ -398,7 +398,7 @@
           <a:lstStyle/>
           <a:p>
             <a:r>
-              <a:rPr lang="en-US" smtClean="0"/>
+              <a:rPr lang="en-US"/>
               <a:t>Click to edit Master title style</a:t>
             </a:r>
             <a:endParaRPr lang="en-SG"/>
@@ -422,35 +422,35 @@
           <a:p>
             <a:pPr lvl="0"/>
             <a:r>
-              <a:rPr lang="en-US" smtClean="0"/>
+              <a:rPr lang="en-US"/>
               <a:t>Click to edit Master text styles</a:t>
             </a:r>
           </a:p>
           <a:p>
             <a:pPr lvl="1"/>
             <a:r>
-              <a:rPr lang="en-US" smtClean="0"/>
+              <a:rPr lang="en-US"/>
               <a:t>Second level</a:t>
             </a:r>
           </a:p>
           <a:p>
             <a:pPr lvl="2"/>
             <a:r>
-              <a:rPr lang="en-US" smtClean="0"/>
+              <a:rPr lang="en-US"/>
               <a:t>Third level</a:t>
             </a:r>
           </a:p>
           <a:p>
             <a:pPr lvl="3"/>
             <a:r>
-              <a:rPr lang="en-US" smtClean="0"/>
+              <a:rPr lang="en-US"/>
               <a:t>Fourth level</a:t>
             </a:r>
           </a:p>
           <a:p>
             <a:pPr lvl="4"/>
             <a:r>
-              <a:rPr lang="en-US" smtClean="0"/>
+              <a:rPr lang="en-US"/>
               <a:t>Fifth level</a:t>
             </a:r>
             <a:endParaRPr lang="en-SG"/>
@@ -474,7 +474,7 @@
           <a:p>
             <a:fld id="{A0F86979-30DA-49EE-A740-32EBA6D2B7DE}" type="datetimeFigureOut">
               <a:rPr lang="en-SG" smtClean="0"/>
-              <a:t>18/3/2018</a:t>
+              <a:t>28/7/2024</a:t>
             </a:fld>
             <a:endParaRPr lang="en-SG"/>
           </a:p>
@@ -573,7 +573,7 @@
           <a:lstStyle/>
           <a:p>
             <a:r>
-              <a:rPr lang="en-US" smtClean="0"/>
+              <a:rPr lang="en-US"/>
               <a:t>Click to edit Master title style</a:t>
             </a:r>
             <a:endParaRPr lang="en-SG"/>
@@ -602,35 +602,35 @@
           <a:p>
             <a:pPr lvl="0"/>
             <a:r>
-              <a:rPr lang="en-US" smtClean="0"/>
+              <a:rPr lang="en-US"/>
               <a:t>Click to edit Master text styles</a:t>
             </a:r>
           </a:p>
           <a:p>
             <a:pPr lvl="1"/>
             <a:r>
-              <a:rPr lang="en-US" smtClean="0"/>
+              <a:rPr lang="en-US"/>
               <a:t>Second level</a:t>
             </a:r>
           </a:p>
           <a:p>
             <a:pPr lvl="2"/>
             <a:r>
-              <a:rPr lang="en-US" smtClean="0"/>
+              <a:rPr lang="en-US"/>
               <a:t>Third level</a:t>
             </a:r>
           </a:p>
           <a:p>
             <a:pPr lvl="3"/>
             <a:r>
-              <a:rPr lang="en-US" smtClean="0"/>
+              <a:rPr lang="en-US"/>
               <a:t>Fourth level</a:t>
             </a:r>
           </a:p>
           <a:p>
             <a:pPr lvl="4"/>
             <a:r>
-              <a:rPr lang="en-US" smtClean="0"/>
+              <a:rPr lang="en-US"/>
               <a:t>Fifth level</a:t>
             </a:r>
             <a:endParaRPr lang="en-SG"/>
@@ -654,7 +654,7 @@
           <a:p>
             <a:fld id="{A0F86979-30DA-49EE-A740-32EBA6D2B7DE}" type="datetimeFigureOut">
               <a:rPr lang="en-SG" smtClean="0"/>
-              <a:t>18/3/2018</a:t>
+              <a:t>28/7/2024</a:t>
             </a:fld>
             <a:endParaRPr lang="en-SG"/>
           </a:p>
@@ -748,7 +748,7 @@
           <a:lstStyle/>
           <a:p>
             <a:r>
-              <a:rPr lang="en-US" smtClean="0"/>
+              <a:rPr lang="en-US"/>
               <a:t>Click to edit Master title style</a:t>
             </a:r>
             <a:endParaRPr lang="en-SG"/>
@@ -772,35 +772,35 @@
           <a:p>
             <a:pPr lvl="0"/>
             <a:r>
-              <a:rPr lang="en-US" smtClean="0"/>
+              <a:rPr lang="en-US"/>
               <a:t>Click to edit Master text styles</a:t>
             </a:r>
           </a:p>
           <a:p>
             <a:pPr lvl="1"/>
             <a:r>
-              <a:rPr lang="en-US" smtClean="0"/>
+              <a:rPr lang="en-US"/>
               <a:t>Second level</a:t>
             </a:r>
           </a:p>
           <a:p>
             <a:pPr lvl="2"/>
             <a:r>
-              <a:rPr lang="en-US" smtClean="0"/>
+              <a:rPr lang="en-US"/>
               <a:t>Third level</a:t>
             </a:r>
           </a:p>
           <a:p>
             <a:pPr lvl="3"/>
             <a:r>
-              <a:rPr lang="en-US" smtClean="0"/>
+              <a:rPr lang="en-US"/>
               <a:t>Fourth level</a:t>
             </a:r>
           </a:p>
           <a:p>
             <a:pPr lvl="4"/>
             <a:r>
-              <a:rPr lang="en-US" smtClean="0"/>
+              <a:rPr lang="en-US"/>
               <a:t>Fifth level</a:t>
             </a:r>
             <a:endParaRPr lang="en-SG"/>
@@ -824,7 +824,7 @@
           <a:p>
             <a:fld id="{A0F86979-30DA-49EE-A740-32EBA6D2B7DE}" type="datetimeFigureOut">
               <a:rPr lang="en-SG" smtClean="0"/>
-              <a:t>18/3/2018</a:t>
+              <a:t>28/7/2024</a:t>
             </a:fld>
             <a:endParaRPr lang="en-SG"/>
           </a:p>
@@ -927,7 +927,7 @@
           </a:lstStyle>
           <a:p>
             <a:r>
-              <a:rPr lang="en-US" smtClean="0"/>
+              <a:rPr lang="en-US"/>
               <a:t>Click to edit Master title style</a:t>
             </a:r>
             <a:endParaRPr lang="en-SG"/>
@@ -1047,7 +1047,7 @@
           <a:p>
             <a:pPr lvl="0"/>
             <a:r>
-              <a:rPr lang="en-US" smtClean="0"/>
+              <a:rPr lang="en-US"/>
               <a:t>Click to edit Master text styles</a:t>
             </a:r>
           </a:p>
@@ -1070,7 +1070,7 @@
           <a:p>
             <a:fld id="{A0F86979-30DA-49EE-A740-32EBA6D2B7DE}" type="datetimeFigureOut">
               <a:rPr lang="en-SG" smtClean="0"/>
-              <a:t>18/3/2018</a:t>
+              <a:t>28/7/2024</a:t>
             </a:fld>
             <a:endParaRPr lang="en-SG"/>
           </a:p>
@@ -1164,7 +1164,7 @@
           <a:lstStyle/>
           <a:p>
             <a:r>
-              <a:rPr lang="en-US" smtClean="0"/>
+              <a:rPr lang="en-US"/>
               <a:t>Click to edit Master title style</a:t>
             </a:r>
             <a:endParaRPr lang="en-SG"/>
@@ -1221,35 +1221,35 @@
           <a:p>
             <a:pPr lvl="0"/>
             <a:r>
-              <a:rPr lang="en-US" smtClean="0"/>
+              <a:rPr lang="en-US"/>
               <a:t>Click to edit Master text styles</a:t>
             </a:r>
           </a:p>
           <a:p>
             <a:pPr lvl="1"/>
             <a:r>
-              <a:rPr lang="en-US" smtClean="0"/>
+              <a:rPr lang="en-US"/>
               <a:t>Second level</a:t>
             </a:r>
           </a:p>
           <a:p>
             <a:pPr lvl="2"/>
             <a:r>
-              <a:rPr lang="en-US" smtClean="0"/>
+              <a:rPr lang="en-US"/>
               <a:t>Third level</a:t>
             </a:r>
           </a:p>
           <a:p>
             <a:pPr lvl="3"/>
             <a:r>
-              <a:rPr lang="en-US" smtClean="0"/>
+              <a:rPr lang="en-US"/>
               <a:t>Fourth level</a:t>
             </a:r>
           </a:p>
           <a:p>
             <a:pPr lvl="4"/>
             <a:r>
-              <a:rPr lang="en-US" smtClean="0"/>
+              <a:rPr lang="en-US"/>
               <a:t>Fifth level</a:t>
             </a:r>
             <a:endParaRPr lang="en-SG"/>
@@ -1306,35 +1306,35 @@
           <a:p>
             <a:pPr lvl="0"/>
             <a:r>
-              <a:rPr lang="en-US" smtClean="0"/>
+              <a:rPr lang="en-US"/>
               <a:t>Click to edit Master text styles</a:t>
             </a:r>
           </a:p>
           <a:p>
             <a:pPr lvl="1"/>
             <a:r>
-              <a:rPr lang="en-US" smtClean="0"/>
+              <a:rPr lang="en-US"/>
               <a:t>Second level</a:t>
             </a:r>
           </a:p>
           <a:p>
             <a:pPr lvl="2"/>
             <a:r>
-              <a:rPr lang="en-US" smtClean="0"/>
+              <a:rPr lang="en-US"/>
               <a:t>Third level</a:t>
             </a:r>
           </a:p>
           <a:p>
             <a:pPr lvl="3"/>
             <a:r>
-              <a:rPr lang="en-US" smtClean="0"/>
+              <a:rPr lang="en-US"/>
               <a:t>Fourth level</a:t>
             </a:r>
           </a:p>
           <a:p>
             <a:pPr lvl="4"/>
             <a:r>
-              <a:rPr lang="en-US" smtClean="0"/>
+              <a:rPr lang="en-US"/>
               <a:t>Fifth level</a:t>
             </a:r>
             <a:endParaRPr lang="en-SG"/>
@@ -1358,7 +1358,7 @@
           <a:p>
             <a:fld id="{A0F86979-30DA-49EE-A740-32EBA6D2B7DE}" type="datetimeFigureOut">
               <a:rPr lang="en-SG" smtClean="0"/>
-              <a:t>18/3/2018</a:t>
+              <a:t>28/7/2024</a:t>
             </a:fld>
             <a:endParaRPr lang="en-SG"/>
           </a:p>
@@ -1456,7 +1456,7 @@
           </a:lstStyle>
           <a:p>
             <a:r>
-              <a:rPr lang="en-US" smtClean="0"/>
+              <a:rPr lang="en-US"/>
               <a:t>Click to edit Master title style</a:t>
             </a:r>
             <a:endParaRPr lang="en-SG"/>
@@ -1522,7 +1522,7 @@
           <a:p>
             <a:pPr lvl="0"/>
             <a:r>
-              <a:rPr lang="en-US" smtClean="0"/>
+              <a:rPr lang="en-US"/>
               <a:t>Click to edit Master text styles</a:t>
             </a:r>
           </a:p>
@@ -1578,35 +1578,35 @@
           <a:p>
             <a:pPr lvl="0"/>
             <a:r>
-              <a:rPr lang="en-US" smtClean="0"/>
+              <a:rPr lang="en-US"/>
               <a:t>Click to edit Master text styles</a:t>
             </a:r>
           </a:p>
           <a:p>
             <a:pPr lvl="1"/>
             <a:r>
-              <a:rPr lang="en-US" smtClean="0"/>
+              <a:rPr lang="en-US"/>
               <a:t>Second level</a:t>
             </a:r>
           </a:p>
           <a:p>
             <a:pPr lvl="2"/>
             <a:r>
-              <a:rPr lang="en-US" smtClean="0"/>
+              <a:rPr lang="en-US"/>
               <a:t>Third level</a:t>
             </a:r>
           </a:p>
           <a:p>
             <a:pPr lvl="3"/>
             <a:r>
-              <a:rPr lang="en-US" smtClean="0"/>
+              <a:rPr lang="en-US"/>
               <a:t>Fourth level</a:t>
             </a:r>
           </a:p>
           <a:p>
             <a:pPr lvl="4"/>
             <a:r>
-              <a:rPr lang="en-US" smtClean="0"/>
+              <a:rPr lang="en-US"/>
               <a:t>Fifth level</a:t>
             </a:r>
             <a:endParaRPr lang="en-SG"/>
@@ -1672,7 +1672,7 @@
           <a:p>
             <a:pPr lvl="0"/>
             <a:r>
-              <a:rPr lang="en-US" smtClean="0"/>
+              <a:rPr lang="en-US"/>
               <a:t>Click to edit Master text styles</a:t>
             </a:r>
           </a:p>
@@ -1728,35 +1728,35 @@
           <a:p>
             <a:pPr lvl="0"/>
             <a:r>
-              <a:rPr lang="en-US" smtClean="0"/>
+              <a:rPr lang="en-US"/>
               <a:t>Click to edit Master text styles</a:t>
             </a:r>
           </a:p>
           <a:p>
             <a:pPr lvl="1"/>
             <a:r>
-              <a:rPr lang="en-US" smtClean="0"/>
+              <a:rPr lang="en-US"/>
               <a:t>Second level</a:t>
             </a:r>
           </a:p>
           <a:p>
             <a:pPr lvl="2"/>
             <a:r>
-              <a:rPr lang="en-US" smtClean="0"/>
+              <a:rPr lang="en-US"/>
               <a:t>Third level</a:t>
             </a:r>
           </a:p>
           <a:p>
             <a:pPr lvl="3"/>
             <a:r>
-              <a:rPr lang="en-US" smtClean="0"/>
+              <a:rPr lang="en-US"/>
               <a:t>Fourth level</a:t>
             </a:r>
           </a:p>
           <a:p>
             <a:pPr lvl="4"/>
             <a:r>
-              <a:rPr lang="en-US" smtClean="0"/>
+              <a:rPr lang="en-US"/>
               <a:t>Fifth level</a:t>
             </a:r>
             <a:endParaRPr lang="en-SG"/>
@@ -1780,7 +1780,7 @@
           <a:p>
             <a:fld id="{A0F86979-30DA-49EE-A740-32EBA6D2B7DE}" type="datetimeFigureOut">
               <a:rPr lang="en-SG" smtClean="0"/>
-              <a:t>18/3/2018</a:t>
+              <a:t>28/7/2024</a:t>
             </a:fld>
             <a:endParaRPr lang="en-SG"/>
           </a:p>
@@ -1874,7 +1874,7 @@
           <a:lstStyle/>
           <a:p>
             <a:r>
-              <a:rPr lang="en-US" smtClean="0"/>
+              <a:rPr lang="en-US"/>
               <a:t>Click to edit Master title style</a:t>
             </a:r>
             <a:endParaRPr lang="en-SG"/>
@@ -1898,7 +1898,7 @@
           <a:p>
             <a:fld id="{A0F86979-30DA-49EE-A740-32EBA6D2B7DE}" type="datetimeFigureOut">
               <a:rPr lang="en-SG" smtClean="0"/>
-              <a:t>18/3/2018</a:t>
+              <a:t>28/7/2024</a:t>
             </a:fld>
             <a:endParaRPr lang="en-SG"/>
           </a:p>
@@ -1993,7 +1993,7 @@
           <a:p>
             <a:fld id="{A0F86979-30DA-49EE-A740-32EBA6D2B7DE}" type="datetimeFigureOut">
               <a:rPr lang="en-SG" smtClean="0"/>
-              <a:t>18/3/2018</a:t>
+              <a:t>28/7/2024</a:t>
             </a:fld>
             <a:endParaRPr lang="en-SG"/>
           </a:p>
@@ -2096,7 +2096,7 @@
           </a:lstStyle>
           <a:p>
             <a:r>
-              <a:rPr lang="en-US" smtClean="0"/>
+              <a:rPr lang="en-US"/>
               <a:t>Click to edit Master title style</a:t>
             </a:r>
             <a:endParaRPr lang="en-SG"/>
@@ -2153,35 +2153,35 @@
           <a:p>
             <a:pPr lvl="0"/>
             <a:r>
-              <a:rPr lang="en-US" smtClean="0"/>
+              <a:rPr lang="en-US"/>
               <a:t>Click to edit Master text styles</a:t>
             </a:r>
           </a:p>
           <a:p>
             <a:pPr lvl="1"/>
             <a:r>
-              <a:rPr lang="en-US" smtClean="0"/>
+              <a:rPr lang="en-US"/>
               <a:t>Second level</a:t>
             </a:r>
           </a:p>
           <a:p>
             <a:pPr lvl="2"/>
             <a:r>
-              <a:rPr lang="en-US" smtClean="0"/>
+              <a:rPr lang="en-US"/>
               <a:t>Third level</a:t>
             </a:r>
           </a:p>
           <a:p>
             <a:pPr lvl="3"/>
             <a:r>
-              <a:rPr lang="en-US" smtClean="0"/>
+              <a:rPr lang="en-US"/>
               <a:t>Fourth level</a:t>
             </a:r>
           </a:p>
           <a:p>
             <a:pPr lvl="4"/>
             <a:r>
-              <a:rPr lang="en-US" smtClean="0"/>
+              <a:rPr lang="en-US"/>
               <a:t>Fifth level</a:t>
             </a:r>
             <a:endParaRPr lang="en-SG"/>
@@ -2247,7 +2247,7 @@
           <a:p>
             <a:pPr lvl="0"/>
             <a:r>
-              <a:rPr lang="en-US" smtClean="0"/>
+              <a:rPr lang="en-US"/>
               <a:t>Click to edit Master text styles</a:t>
             </a:r>
           </a:p>
@@ -2270,7 +2270,7 @@
           <a:p>
             <a:fld id="{A0F86979-30DA-49EE-A740-32EBA6D2B7DE}" type="datetimeFigureOut">
               <a:rPr lang="en-SG" smtClean="0"/>
-              <a:t>18/3/2018</a:t>
+              <a:t>28/7/2024</a:t>
             </a:fld>
             <a:endParaRPr lang="en-SG"/>
           </a:p>
@@ -2373,7 +2373,7 @@
           </a:lstStyle>
           <a:p>
             <a:r>
-              <a:rPr lang="en-US" smtClean="0"/>
+              <a:rPr lang="en-US"/>
               <a:t>Click to edit Master title style</a:t>
             </a:r>
             <a:endParaRPr lang="en-SG"/>
@@ -2500,7 +2500,7 @@
           <a:p>
             <a:pPr lvl="0"/>
             <a:r>
-              <a:rPr lang="en-US" smtClean="0"/>
+              <a:rPr lang="en-US"/>
               <a:t>Click to edit Master text styles</a:t>
             </a:r>
           </a:p>
@@ -2523,7 +2523,7 @@
           <a:p>
             <a:fld id="{A0F86979-30DA-49EE-A740-32EBA6D2B7DE}" type="datetimeFigureOut">
               <a:rPr lang="en-SG" smtClean="0"/>
-              <a:t>18/3/2018</a:t>
+              <a:t>28/7/2024</a:t>
             </a:fld>
             <a:endParaRPr lang="en-SG"/>
           </a:p>
@@ -2632,7 +2632,7 @@
           <a:lstStyle/>
           <a:p>
             <a:r>
-              <a:rPr lang="en-US" smtClean="0"/>
+              <a:rPr lang="en-US"/>
               <a:t>Click to edit Master title style</a:t>
             </a:r>
             <a:endParaRPr lang="en-SG"/>
@@ -2666,35 +2666,35 @@
           <a:p>
             <a:pPr lvl="0"/>
             <a:r>
-              <a:rPr lang="en-US" smtClean="0"/>
+              <a:rPr lang="en-US"/>
               <a:t>Click to edit Master text styles</a:t>
             </a:r>
           </a:p>
           <a:p>
             <a:pPr lvl="1"/>
             <a:r>
-              <a:rPr lang="en-US" smtClean="0"/>
+              <a:rPr lang="en-US"/>
               <a:t>Second level</a:t>
             </a:r>
           </a:p>
           <a:p>
             <a:pPr lvl="2"/>
             <a:r>
-              <a:rPr lang="en-US" smtClean="0"/>
+              <a:rPr lang="en-US"/>
               <a:t>Third level</a:t>
             </a:r>
           </a:p>
           <a:p>
             <a:pPr lvl="3"/>
             <a:r>
-              <a:rPr lang="en-US" smtClean="0"/>
+              <a:rPr lang="en-US"/>
               <a:t>Fourth level</a:t>
             </a:r>
           </a:p>
           <a:p>
             <a:pPr lvl="4"/>
             <a:r>
-              <a:rPr lang="en-US" smtClean="0"/>
+              <a:rPr lang="en-US"/>
               <a:t>Fifth level</a:t>
             </a:r>
             <a:endParaRPr lang="en-SG"/>
@@ -2736,7 +2736,7 @@
           <a:p>
             <a:fld id="{A0F86979-30DA-49EE-A740-32EBA6D2B7DE}" type="datetimeFigureOut">
               <a:rPr lang="en-SG" smtClean="0"/>
-              <a:t>18/3/2018</a:t>
+              <a:t>28/7/2024</a:t>
             </a:fld>
             <a:endParaRPr lang="en-SG"/>
           </a:p>
@@ -3165,7 +3165,7 @@
               <a:defRPr/>
             </a:pPr>
             <a:r>
-              <a:rPr lang="en-US" sz="2200" u="sng" kern="0" noProof="0" dirty="0" smtClean="0">
+              <a:rPr lang="en-US" sz="2200" u="sng" kern="0" noProof="0" dirty="0">
                 <a:solidFill>
                   <a:sysClr val="windowText" lastClr="000000"/>
                 </a:solidFill>
@@ -3173,7 +3173,7 @@
               </a:rPr>
               <a:t>:Logic</a:t>
             </a:r>
-            <a:endParaRPr kumimoji="0" lang="en-US" sz="2200" i="0" u="sng" strike="noStrike" kern="0" cap="none" spc="0" normalizeH="0" baseline="0" noProof="0" dirty="0" smtClean="0">
+            <a:endParaRPr kumimoji="0" lang="en-US" sz="2200" i="0" u="sng" strike="noStrike" kern="0" cap="none" spc="0" normalizeH="0" baseline="0" noProof="0" dirty="0">
               <a:ln>
                 <a:noFill/>
               </a:ln>
@@ -3242,7 +3242,7 @@
               <a:defRPr/>
             </a:pPr>
             <a:r>
-              <a:rPr lang="en-US" sz="2200" u="sng" kern="0" dirty="0" smtClean="0">
+              <a:rPr lang="en-US" sz="2200" u="sng" kern="0" dirty="0">
                 <a:solidFill>
                   <a:sysClr val="windowText" lastClr="000000"/>
                 </a:solidFill>
@@ -3251,7 +3251,7 @@
               <a:t>current</a:t>
             </a:r>
             <a:r>
-              <a:rPr kumimoji="0" lang="en-US" sz="2200" b="0" i="0" u="sng" strike="noStrike" kern="0" cap="none" spc="0" normalizeH="0" baseline="0" noProof="0" dirty="0" smtClean="0">
+              <a:rPr kumimoji="0" lang="en-US" sz="2200" b="0" i="0" u="sng" strike="noStrike" kern="0" cap="none" spc="0" normalizeH="0" baseline="0" noProof="0" dirty="0">
                 <a:ln>
                   <a:noFill/>
                 </a:ln>
@@ -3265,18 +3265,6 @@
               </a:rPr>
               <a:t>:Minefield</a:t>
             </a:r>
-            <a:endParaRPr kumimoji="0" lang="en-US" sz="2200" b="0" i="0" u="sng" strike="noStrike" kern="0" cap="none" spc="0" normalizeH="0" baseline="0" noProof="0" dirty="0">
-              <a:ln>
-                <a:noFill/>
-              </a:ln>
-              <a:solidFill>
-                <a:sysClr val="windowText" lastClr="000000"/>
-              </a:solidFill>
-              <a:effectLst/>
-              <a:uLnTx/>
-              <a:uFillTx/>
-              <a:latin typeface="Calibri" pitchFamily="34" charset="0"/>
-            </a:endParaRPr>
           </a:p>
         </p:txBody>
       </p:sp>
@@ -3302,7 +3290,7 @@
           <a:noFill/>
           <a:ln w="28575" cap="flat" cmpd="sng" algn="ctr">
             <a:solidFill>
-              <a:srgbClr val="FF0000"/>
+              <a:schemeClr val="tx1"/>
             </a:solidFill>
             <a:prstDash val="solid"/>
             <a:headEnd type="none" w="med" len="med"/>
@@ -3365,7 +3353,7 @@
               <a:defRPr/>
             </a:pPr>
             <a:r>
-              <a:rPr lang="en-US" sz="2200" u="sng" kern="0" dirty="0" smtClean="0">
+              <a:rPr lang="en-US" sz="2200" u="sng" kern="0" dirty="0">
                 <a:solidFill>
                   <a:sysClr val="windowText" lastClr="000000"/>
                 </a:solidFill>
@@ -3374,7 +3362,7 @@
               <a:t>previous</a:t>
             </a:r>
             <a:r>
-              <a:rPr kumimoji="0" lang="en-US" sz="2200" b="0" i="0" u="sng" strike="noStrike" kern="0" cap="none" spc="0" normalizeH="0" baseline="0" noProof="0" dirty="0" smtClean="0">
+              <a:rPr kumimoji="0" lang="en-US" sz="2200" b="0" i="0" u="sng" strike="noStrike" kern="0" cap="none" spc="0" normalizeH="0" baseline="0" noProof="0" dirty="0">
                 <a:ln>
                   <a:noFill/>
                 </a:ln>
@@ -3388,18 +3376,6 @@
               </a:rPr>
               <a:t>:Minefield</a:t>
             </a:r>
-            <a:endParaRPr kumimoji="0" lang="en-US" sz="2200" b="0" i="0" u="sng" strike="noStrike" kern="0" cap="none" spc="0" normalizeH="0" baseline="0" noProof="0" dirty="0">
-              <a:ln>
-                <a:noFill/>
-              </a:ln>
-              <a:solidFill>
-                <a:sysClr val="windowText" lastClr="000000"/>
-              </a:solidFill>
-              <a:effectLst/>
-              <a:uLnTx/>
-              <a:uFillTx/>
-              <a:latin typeface="Calibri" pitchFamily="34" charset="0"/>
-            </a:endParaRPr>
           </a:p>
         </p:txBody>
       </p:sp>
@@ -3423,6 +3399,74 @@
           <a:noFill/>
           <a:ln w="28575" cap="flat" cmpd="sng" algn="ctr">
             <a:solidFill>
+              <a:schemeClr val="tx1"/>
+            </a:solidFill>
+            <a:prstDash val="solid"/>
+            <a:headEnd type="none" w="med" len="med"/>
+            <a:tailEnd type="arrow" w="med" len="med"/>
+          </a:ln>
+          <a:effectLst/>
+        </p:spPr>
+      </p:cxnSp>
+      <p:cxnSp>
+        <p:nvCxnSpPr>
+          <p:cNvPr id="2" name="Straight Connector 1">
+            <a:extLst>
+              <a:ext uri="{FF2B5EF4-FFF2-40B4-BE49-F238E27FC236}">
+                <a16:creationId xmlns:a16="http://schemas.microsoft.com/office/drawing/2014/main" id="{A2AB5935-A5C0-D8E0-B60E-8D1BCE9B350A}"/>
+              </a:ext>
+            </a:extLst>
+          </p:cNvPr>
+          <p:cNvCxnSpPr>
+            <a:cxnSpLocks/>
+          </p:cNvCxnSpPr>
+          <p:nvPr/>
+        </p:nvCxnSpPr>
+        <p:spPr>
+          <a:xfrm>
+            <a:off x="4556760" y="2636330"/>
+            <a:ext cx="85389" cy="0"/>
+          </a:xfrm>
+          <a:prstGeom prst="line">
+            <a:avLst/>
+          </a:prstGeom>
+          <a:noFill/>
+          <a:ln w="28575" cap="rnd" cmpd="sng" algn="ctr">
+            <a:solidFill>
+              <a:srgbClr val="FF0000"/>
+            </a:solidFill>
+            <a:prstDash val="solid"/>
+            <a:headEnd type="none" w="med" len="med"/>
+            <a:tailEnd type="arrow" w="med" len="med"/>
+          </a:ln>
+          <a:effectLst/>
+        </p:spPr>
+      </p:cxnSp>
+      <p:cxnSp>
+        <p:nvCxnSpPr>
+          <p:cNvPr id="3" name="Straight Connector 2">
+            <a:extLst>
+              <a:ext uri="{FF2B5EF4-FFF2-40B4-BE49-F238E27FC236}">
+                <a16:creationId xmlns:a16="http://schemas.microsoft.com/office/drawing/2014/main" id="{F43D8EF0-1B9B-085E-555F-BB8DC7B822D2}"/>
+              </a:ext>
+            </a:extLst>
+          </p:cNvPr>
+          <p:cNvCxnSpPr>
+            <a:cxnSpLocks/>
+          </p:cNvCxnSpPr>
+          <p:nvPr/>
+        </p:nvCxnSpPr>
+        <p:spPr>
+          <a:xfrm>
+            <a:off x="4543379" y="3284984"/>
+            <a:ext cx="85389" cy="0"/>
+          </a:xfrm>
+          <a:prstGeom prst="line">
+            <a:avLst/>
+          </a:prstGeom>
+          <a:noFill/>
+          <a:ln w="28575" cap="rnd" cmpd="sng" algn="ctr">
+            <a:solidFill>
               <a:srgbClr val="FF0000"/>
             </a:solidFill>
             <a:prstDash val="solid"/>
@@ -3442,13 +3486,6 @@
   <p:clrMapOvr>
     <a:masterClrMapping/>
   </p:clrMapOvr>
-  <p:timing>
-    <p:tnLst>
-      <p:par>
-        <p:cTn id="1" dur="indefinite" restart="never" nodeType="tmRoot"/>
-      </p:par>
-    </p:tnLst>
-  </p:timing>
 </p:sld>
 </file>
 
